--- a/Vizuelizacija podataka - Danica Djordjevic 1121 Prezentacijaa.pptx
+++ b/Vizuelizacija podataka - Danica Djordjevic 1121 Prezentacijaa.pptx
@@ -5,7 +5,7 @@
     <p:sldMasterId id="2147483677" r:id="rId1"/>
   </p:sldMasterIdLst>
   <p:notesMasterIdLst>
-    <p:notesMasterId r:id="rId11"/>
+    <p:notesMasterId r:id="rId12"/>
   </p:notesMasterIdLst>
   <p:sldIdLst>
     <p:sldId id="256" r:id="rId2"/>
@@ -15,32 +15,33 @@
     <p:sldId id="329" r:id="rId6"/>
     <p:sldId id="330" r:id="rId7"/>
     <p:sldId id="331" r:id="rId8"/>
-    <p:sldId id="274" r:id="rId9"/>
-    <p:sldId id="280" r:id="rId10"/>
+    <p:sldId id="332" r:id="rId9"/>
+    <p:sldId id="274" r:id="rId10"/>
+    <p:sldId id="280" r:id="rId11"/>
   </p:sldIdLst>
   <p:sldSz cx="9144000" cy="5143500" type="screen16x9"/>
   <p:notesSz cx="6858000" cy="9144000"/>
   <p:embeddedFontLst>
     <p:embeddedFont>
       <p:font typeface="Exo 2" panose="020B0604020202020204" charset="0"/>
-      <p:regular r:id="rId12"/>
-      <p:bold r:id="rId13"/>
-      <p:italic r:id="rId14"/>
-      <p:boldItalic r:id="rId15"/>
+      <p:regular r:id="rId13"/>
+      <p:bold r:id="rId14"/>
+      <p:italic r:id="rId15"/>
+      <p:boldItalic r:id="rId16"/>
     </p:embeddedFont>
     <p:embeddedFont>
       <p:font typeface="Fira Sans Extra Condensed Medium" panose="020B0604020202020204" charset="0"/>
-      <p:regular r:id="rId16"/>
-      <p:bold r:id="rId17"/>
-      <p:italic r:id="rId18"/>
-      <p:boldItalic r:id="rId19"/>
+      <p:regular r:id="rId17"/>
+      <p:bold r:id="rId18"/>
+      <p:italic r:id="rId19"/>
+      <p:boldItalic r:id="rId20"/>
     </p:embeddedFont>
     <p:embeddedFont>
       <p:font typeface="Roboto Condensed Light" panose="02000000000000000000" pitchFamily="2" charset="0"/>
-      <p:regular r:id="rId20"/>
-      <p:bold r:id="rId21"/>
-      <p:italic r:id="rId22"/>
-      <p:boldItalic r:id="rId23"/>
+      <p:regular r:id="rId21"/>
+      <p:bold r:id="rId22"/>
+      <p:italic r:id="rId23"/>
+      <p:boldItalic r:id="rId24"/>
     </p:embeddedFont>
   </p:embeddedFontLst>
   <p:defaultTextStyle>
@@ -825,6 +826,110 @@
 </p:notes>
 </file>
 
+<file path=ppt/notesSlides/notesSlide10.xml><?xml version="1.0" encoding="utf-8"?>
+<p:notes xmlns:a="http://schemas.openxmlformats.org/drawingml/2006/main" xmlns:r="http://schemas.openxmlformats.org/officeDocument/2006/relationships" xmlns:p="http://schemas.openxmlformats.org/presentationml/2006/main" showMasterSp="0" showMasterPhAnim="0">
+  <p:cSld>
+    <p:spTree>
+      <p:nvGrpSpPr>
+        <p:cNvPr id="1" name="Shape 678"/>
+        <p:cNvGrpSpPr/>
+        <p:nvPr/>
+      </p:nvGrpSpPr>
+      <p:grpSpPr>
+        <a:xfrm>
+          <a:off x="0" y="0"/>
+          <a:ext cx="0" cy="0"/>
+          <a:chOff x="0" y="0"/>
+          <a:chExt cx="0" cy="0"/>
+        </a:xfrm>
+      </p:grpSpPr>
+      <p:sp>
+        <p:nvSpPr>
+          <p:cNvPr id="679" name="Google Shape;679;g9baafe93df_0_1025:notes"/>
+          <p:cNvSpPr>
+            <a:spLocks noGrp="1" noRot="1" noChangeAspect="1"/>
+          </p:cNvSpPr>
+          <p:nvPr>
+            <p:ph type="sldImg" idx="2"/>
+          </p:nvPr>
+        </p:nvSpPr>
+        <p:spPr>
+          <a:xfrm>
+            <a:off x="381000" y="685800"/>
+            <a:ext cx="6096000" cy="3429000"/>
+          </a:xfrm>
+          <a:custGeom>
+            <a:avLst/>
+            <a:gdLst/>
+            <a:ahLst/>
+            <a:cxnLst/>
+            <a:rect l="l" t="t" r="r" b="b"/>
+            <a:pathLst>
+              <a:path w="120000" h="120000" extrusionOk="0">
+                <a:moveTo>
+                  <a:pt x="0" y="0"/>
+                </a:moveTo>
+                <a:lnTo>
+                  <a:pt x="120000" y="0"/>
+                </a:lnTo>
+                <a:lnTo>
+                  <a:pt x="120000" y="120000"/>
+                </a:lnTo>
+                <a:lnTo>
+                  <a:pt x="0" y="120000"/>
+                </a:lnTo>
+                <a:close/>
+              </a:path>
+            </a:pathLst>
+          </a:custGeom>
+        </p:spPr>
+      </p:sp>
+      <p:sp>
+        <p:nvSpPr>
+          <p:cNvPr id="680" name="Google Shape;680;g9baafe93df_0_1025:notes"/>
+          <p:cNvSpPr txBox="1">
+            <a:spLocks noGrp="1"/>
+          </p:cNvSpPr>
+          <p:nvPr>
+            <p:ph type="body" idx="1"/>
+          </p:nvPr>
+        </p:nvSpPr>
+        <p:spPr>
+          <a:xfrm>
+            <a:off x="685800" y="4343400"/>
+            <a:ext cx="5486400" cy="4114800"/>
+          </a:xfrm>
+          <a:prstGeom prst="rect">
+            <a:avLst/>
+          </a:prstGeom>
+        </p:spPr>
+        <p:txBody>
+          <a:bodyPr spcFirstLastPara="1" wrap="square" lIns="91425" tIns="91425" rIns="91425" bIns="91425" anchor="t" anchorCtr="0">
+            <a:noAutofit/>
+          </a:bodyPr>
+          <a:lstStyle/>
+          <a:p>
+            <a:pPr marL="0" lvl="0" indent="0" algn="l" rtl="0">
+              <a:spcBef>
+                <a:spcPts val="0"/>
+              </a:spcBef>
+              <a:spcAft>
+                <a:spcPts val="0"/>
+              </a:spcAft>
+              <a:buNone/>
+            </a:pPr>
+            <a:endParaRPr/>
+          </a:p>
+        </p:txBody>
+      </p:sp>
+    </p:spTree>
+  </p:cSld>
+  <p:clrMapOvr>
+    <a:masterClrMapping/>
+  </p:clrMapOvr>
+</p:notes>
+</file>
+
 <file path=ppt/notesSlides/notesSlide2.xml><?xml version="1.0" encoding="utf-8"?>
 <p:notes xmlns:a="http://schemas.openxmlformats.org/drawingml/2006/main" xmlns:r="http://schemas.openxmlformats.org/officeDocument/2006/relationships" xmlns:p="http://schemas.openxmlformats.org/presentationml/2006/main" showMasterSp="0" showMasterPhAnim="0">
   <p:cSld>
@@ -1484,6 +1589,115 @@
   <p:cSld>
     <p:spTree>
       <p:nvGrpSpPr>
+        <p:cNvPr id="1" name="Shape 154"/>
+        <p:cNvGrpSpPr/>
+        <p:nvPr/>
+      </p:nvGrpSpPr>
+      <p:grpSpPr>
+        <a:xfrm>
+          <a:off x="0" y="0"/>
+          <a:ext cx="0" cy="0"/>
+          <a:chOff x="0" y="0"/>
+          <a:chExt cx="0" cy="0"/>
+        </a:xfrm>
+      </p:grpSpPr>
+      <p:sp>
+        <p:nvSpPr>
+          <p:cNvPr id="155" name="Google Shape;155;g9baafe93df_0_310:notes"/>
+          <p:cNvSpPr>
+            <a:spLocks noGrp="1" noRot="1" noChangeAspect="1"/>
+          </p:cNvSpPr>
+          <p:nvPr>
+            <p:ph type="sldImg" idx="2"/>
+          </p:nvPr>
+        </p:nvSpPr>
+        <p:spPr>
+          <a:xfrm>
+            <a:off x="381000" y="685800"/>
+            <a:ext cx="6096000" cy="3429000"/>
+          </a:xfrm>
+          <a:custGeom>
+            <a:avLst/>
+            <a:gdLst/>
+            <a:ahLst/>
+            <a:cxnLst/>
+            <a:rect l="l" t="t" r="r" b="b"/>
+            <a:pathLst>
+              <a:path w="120000" h="120000" extrusionOk="0">
+                <a:moveTo>
+                  <a:pt x="0" y="0"/>
+                </a:moveTo>
+                <a:lnTo>
+                  <a:pt x="120000" y="0"/>
+                </a:lnTo>
+                <a:lnTo>
+                  <a:pt x="120000" y="120000"/>
+                </a:lnTo>
+                <a:lnTo>
+                  <a:pt x="0" y="120000"/>
+                </a:lnTo>
+                <a:close/>
+              </a:path>
+            </a:pathLst>
+          </a:custGeom>
+        </p:spPr>
+      </p:sp>
+      <p:sp>
+        <p:nvSpPr>
+          <p:cNvPr id="156" name="Google Shape;156;g9baafe93df_0_310:notes"/>
+          <p:cNvSpPr txBox="1">
+            <a:spLocks noGrp="1"/>
+          </p:cNvSpPr>
+          <p:nvPr>
+            <p:ph type="body" idx="1"/>
+          </p:nvPr>
+        </p:nvSpPr>
+        <p:spPr>
+          <a:xfrm>
+            <a:off x="685800" y="4343400"/>
+            <a:ext cx="5486400" cy="4114800"/>
+          </a:xfrm>
+          <a:prstGeom prst="rect">
+            <a:avLst/>
+          </a:prstGeom>
+        </p:spPr>
+        <p:txBody>
+          <a:bodyPr spcFirstLastPara="1" wrap="square" lIns="91425" tIns="91425" rIns="91425" bIns="91425" anchor="t" anchorCtr="0">
+            <a:noAutofit/>
+          </a:bodyPr>
+          <a:lstStyle/>
+          <a:p>
+            <a:pPr marL="0" lvl="0" indent="0" algn="l" rtl="0">
+              <a:spcBef>
+                <a:spcPts val="0"/>
+              </a:spcBef>
+              <a:spcAft>
+                <a:spcPts val="0"/>
+              </a:spcAft>
+              <a:buNone/>
+            </a:pPr>
+            <a:endParaRPr/>
+          </a:p>
+        </p:txBody>
+      </p:sp>
+    </p:spTree>
+    <p:extLst>
+      <p:ext uri="{BB962C8B-B14F-4D97-AF65-F5344CB8AC3E}">
+        <p14:creationId xmlns:p14="http://schemas.microsoft.com/office/powerpoint/2010/main" val="1625979537"/>
+      </p:ext>
+    </p:extLst>
+  </p:cSld>
+  <p:clrMapOvr>
+    <a:masterClrMapping/>
+  </p:clrMapOvr>
+</p:notes>
+</file>
+
+<file path=ppt/notesSlides/notesSlide9.xml><?xml version="1.0" encoding="utf-8"?>
+<p:notes xmlns:a="http://schemas.openxmlformats.org/drawingml/2006/main" xmlns:r="http://schemas.openxmlformats.org/officeDocument/2006/relationships" xmlns:p="http://schemas.openxmlformats.org/presentationml/2006/main" showMasterSp="0" showMasterPhAnim="0">
+  <p:cSld>
+    <p:spTree>
+      <p:nvGrpSpPr>
         <p:cNvPr id="1" name="Shape 473"/>
         <p:cNvGrpSpPr/>
         <p:nvPr/>
@@ -1540,110 +1754,6 @@
       <p:sp>
         <p:nvSpPr>
           <p:cNvPr id="475" name="Google Shape;475;g9baafe93df_0_802:notes"/>
-          <p:cNvSpPr txBox="1">
-            <a:spLocks noGrp="1"/>
-          </p:cNvSpPr>
-          <p:nvPr>
-            <p:ph type="body" idx="1"/>
-          </p:nvPr>
-        </p:nvSpPr>
-        <p:spPr>
-          <a:xfrm>
-            <a:off x="685800" y="4343400"/>
-            <a:ext cx="5486400" cy="4114800"/>
-          </a:xfrm>
-          <a:prstGeom prst="rect">
-            <a:avLst/>
-          </a:prstGeom>
-        </p:spPr>
-        <p:txBody>
-          <a:bodyPr spcFirstLastPara="1" wrap="square" lIns="91425" tIns="91425" rIns="91425" bIns="91425" anchor="t" anchorCtr="0">
-            <a:noAutofit/>
-          </a:bodyPr>
-          <a:lstStyle/>
-          <a:p>
-            <a:pPr marL="0" lvl="0" indent="0" algn="l" rtl="0">
-              <a:spcBef>
-                <a:spcPts val="0"/>
-              </a:spcBef>
-              <a:spcAft>
-                <a:spcPts val="0"/>
-              </a:spcAft>
-              <a:buNone/>
-            </a:pPr>
-            <a:endParaRPr/>
-          </a:p>
-        </p:txBody>
-      </p:sp>
-    </p:spTree>
-  </p:cSld>
-  <p:clrMapOvr>
-    <a:masterClrMapping/>
-  </p:clrMapOvr>
-</p:notes>
-</file>
-
-<file path=ppt/notesSlides/notesSlide9.xml><?xml version="1.0" encoding="utf-8"?>
-<p:notes xmlns:a="http://schemas.openxmlformats.org/drawingml/2006/main" xmlns:r="http://schemas.openxmlformats.org/officeDocument/2006/relationships" xmlns:p="http://schemas.openxmlformats.org/presentationml/2006/main" showMasterSp="0" showMasterPhAnim="0">
-  <p:cSld>
-    <p:spTree>
-      <p:nvGrpSpPr>
-        <p:cNvPr id="1" name="Shape 678"/>
-        <p:cNvGrpSpPr/>
-        <p:nvPr/>
-      </p:nvGrpSpPr>
-      <p:grpSpPr>
-        <a:xfrm>
-          <a:off x="0" y="0"/>
-          <a:ext cx="0" cy="0"/>
-          <a:chOff x="0" y="0"/>
-          <a:chExt cx="0" cy="0"/>
-        </a:xfrm>
-      </p:grpSpPr>
-      <p:sp>
-        <p:nvSpPr>
-          <p:cNvPr id="679" name="Google Shape;679;g9baafe93df_0_1025:notes"/>
-          <p:cNvSpPr>
-            <a:spLocks noGrp="1" noRot="1" noChangeAspect="1"/>
-          </p:cNvSpPr>
-          <p:nvPr>
-            <p:ph type="sldImg" idx="2"/>
-          </p:nvPr>
-        </p:nvSpPr>
-        <p:spPr>
-          <a:xfrm>
-            <a:off x="381000" y="685800"/>
-            <a:ext cx="6096000" cy="3429000"/>
-          </a:xfrm>
-          <a:custGeom>
-            <a:avLst/>
-            <a:gdLst/>
-            <a:ahLst/>
-            <a:cxnLst/>
-            <a:rect l="l" t="t" r="r" b="b"/>
-            <a:pathLst>
-              <a:path w="120000" h="120000" extrusionOk="0">
-                <a:moveTo>
-                  <a:pt x="0" y="0"/>
-                </a:moveTo>
-                <a:lnTo>
-                  <a:pt x="120000" y="0"/>
-                </a:lnTo>
-                <a:lnTo>
-                  <a:pt x="120000" y="120000"/>
-                </a:lnTo>
-                <a:lnTo>
-                  <a:pt x="0" y="120000"/>
-                </a:lnTo>
-                <a:close/>
-              </a:path>
-            </a:pathLst>
-          </a:custGeom>
-        </p:spPr>
-      </p:sp>
-      <p:sp>
-        <p:nvSpPr>
-          <p:cNvPr id="680" name="Google Shape;680;g9baafe93df_0_1025:notes"/>
           <p:cNvSpPr txBox="1">
             <a:spLocks noGrp="1"/>
           </p:cNvSpPr>
@@ -5750,6 +5860,73 @@
 </p:sld>
 </file>
 
+<file path=ppt/slides/slide10.xml><?xml version="1.0" encoding="utf-8"?>
+<p:sld xmlns:a="http://schemas.openxmlformats.org/drawingml/2006/main" xmlns:r="http://schemas.openxmlformats.org/officeDocument/2006/relationships" xmlns:p="http://schemas.openxmlformats.org/presentationml/2006/main">
+  <p:cSld>
+    <p:spTree>
+      <p:nvGrpSpPr>
+        <p:cNvPr id="1" name="Shape 681"/>
+        <p:cNvGrpSpPr/>
+        <p:nvPr/>
+      </p:nvGrpSpPr>
+      <p:grpSpPr>
+        <a:xfrm>
+          <a:off x="0" y="0"/>
+          <a:ext cx="0" cy="0"/>
+          <a:chOff x="0" y="0"/>
+          <a:chExt cx="0" cy="0"/>
+        </a:xfrm>
+      </p:grpSpPr>
+      <p:sp>
+        <p:nvSpPr>
+          <p:cNvPr id="683" name="Google Shape;683;p57"/>
+          <p:cNvSpPr txBox="1">
+            <a:spLocks noGrp="1"/>
+          </p:cNvSpPr>
+          <p:nvPr>
+            <p:ph type="ctrTitle"/>
+          </p:nvPr>
+        </p:nvSpPr>
+        <p:spPr>
+          <a:xfrm>
+            <a:off x="1781969" y="1998768"/>
+            <a:ext cx="5957983" cy="1340265"/>
+          </a:xfrm>
+          <a:prstGeom prst="rect">
+            <a:avLst/>
+          </a:prstGeom>
+        </p:spPr>
+        <p:txBody>
+          <a:bodyPr spcFirstLastPara="1" wrap="square" lIns="91425" tIns="91425" rIns="91425" bIns="91425" anchor="ctr" anchorCtr="0">
+            <a:noAutofit/>
+          </a:bodyPr>
+          <a:lstStyle/>
+          <a:p>
+            <a:pPr marL="0" lvl="0" indent="0" algn="ctr" rtl="0">
+              <a:spcBef>
+                <a:spcPts val="0"/>
+              </a:spcBef>
+              <a:spcAft>
+                <a:spcPts val="0"/>
+              </a:spcAft>
+              <a:buNone/>
+            </a:pPr>
+            <a:r>
+              <a:rPr lang="sr-Latn-RS" sz="6000" dirty="0"/>
+              <a:t>Hvala na pažnji.</a:t>
+            </a:r>
+            <a:endParaRPr sz="6000" dirty="0"/>
+          </a:p>
+        </p:txBody>
+      </p:sp>
+    </p:spTree>
+  </p:cSld>
+  <p:clrMapOvr>
+    <a:masterClrMapping/>
+  </p:clrMapOvr>
+</p:sld>
+</file>
+
 <file path=ppt/slides/slide2.xml><?xml version="1.0" encoding="utf-8"?>
 <p:sld xmlns:a="http://schemas.openxmlformats.org/drawingml/2006/main" xmlns:r="http://schemas.openxmlformats.org/officeDocument/2006/relationships" xmlns:p="http://schemas.openxmlformats.org/presentationml/2006/main">
   <p:cSld>
@@ -7853,6 +8030,251 @@
 </file>
 
 <file path=ppt/slides/slide8.xml><?xml version="1.0" encoding="utf-8"?>
+<p:sld xmlns:a="http://schemas.openxmlformats.org/drawingml/2006/main" xmlns:r="http://schemas.openxmlformats.org/officeDocument/2006/relationships" xmlns:p="http://schemas.openxmlformats.org/presentationml/2006/main">
+  <p:cSld>
+    <p:spTree>
+      <p:nvGrpSpPr>
+        <p:cNvPr id="1" name="Shape 157"/>
+        <p:cNvGrpSpPr/>
+        <p:nvPr/>
+      </p:nvGrpSpPr>
+      <p:grpSpPr>
+        <a:xfrm>
+          <a:off x="0" y="0"/>
+          <a:ext cx="0" cy="0"/>
+          <a:chOff x="0" y="0"/>
+          <a:chExt cx="0" cy="0"/>
+        </a:xfrm>
+      </p:grpSpPr>
+      <p:sp>
+        <p:nvSpPr>
+          <p:cNvPr id="159" name="Google Shape;159;p34"/>
+          <p:cNvSpPr txBox="1">
+            <a:spLocks noGrp="1"/>
+          </p:cNvSpPr>
+          <p:nvPr>
+            <p:ph type="ctrTitle"/>
+          </p:nvPr>
+        </p:nvSpPr>
+        <p:spPr>
+          <a:xfrm>
+            <a:off x="4133892" y="0"/>
+            <a:ext cx="5010108" cy="946200"/>
+          </a:xfrm>
+          <a:prstGeom prst="rect">
+            <a:avLst/>
+          </a:prstGeom>
+        </p:spPr>
+        <p:txBody>
+          <a:bodyPr spcFirstLastPara="1" wrap="square" lIns="91425" tIns="91425" rIns="91425" bIns="91425" anchor="t" anchorCtr="0">
+            <a:noAutofit/>
+          </a:bodyPr>
+          <a:lstStyle/>
+          <a:p>
+            <a:pPr marL="0" lvl="0" indent="0" algn="ctr" rtl="0">
+              <a:spcBef>
+                <a:spcPts val="0"/>
+              </a:spcBef>
+              <a:spcAft>
+                <a:spcPts val="0"/>
+              </a:spcAft>
+              <a:buNone/>
+            </a:pPr>
+            <a:r>
+              <a:rPr lang="en-US" dirty="0" err="1"/>
+              <a:t>Demonstracija</a:t>
+            </a:r>
+            <a:endParaRPr dirty="0"/>
+          </a:p>
+        </p:txBody>
+      </p:sp>
+      <p:pic>
+        <p:nvPicPr>
+          <p:cNvPr id="4" name="colorPicker">
+            <a:hlinkClick r:id="" action="ppaction://media"/>
+            <a:extLst>
+              <a:ext uri="{FF2B5EF4-FFF2-40B4-BE49-F238E27FC236}">
+                <a16:creationId xmlns:a16="http://schemas.microsoft.com/office/drawing/2014/main" id="{A4B68BFE-3AA1-416C-8C7A-1066E49C0BBF}"/>
+              </a:ext>
+            </a:extLst>
+          </p:cNvPr>
+          <p:cNvPicPr>
+            <a:picLocks noChangeAspect="1"/>
+          </p:cNvPicPr>
+          <p:nvPr>
+            <a:videoFile r:link="rId2"/>
+            <p:extLst>
+              <p:ext uri="{DAA4B4D4-6D71-4841-9C94-3DE7FCFB9230}">
+                <p14:media xmlns:p14="http://schemas.microsoft.com/office/powerpoint/2010/main" r:embed="rId1"/>
+              </p:ext>
+            </p:extLst>
+          </p:nvPr>
+        </p:nvPicPr>
+        <p:blipFill>
+          <a:blip r:embed="rId5"/>
+          <a:stretch>
+            <a:fillRect/>
+          </a:stretch>
+        </p:blipFill>
+        <p:spPr>
+          <a:xfrm>
+            <a:off x="-1" y="0"/>
+            <a:ext cx="4710223" cy="5161620"/>
+          </a:xfrm>
+          <a:prstGeom prst="rect">
+            <a:avLst/>
+          </a:prstGeom>
+        </p:spPr>
+      </p:pic>
+    </p:spTree>
+    <p:extLst>
+      <p:ext uri="{BB962C8B-B14F-4D97-AF65-F5344CB8AC3E}">
+        <p14:creationId xmlns:p14="http://schemas.microsoft.com/office/powerpoint/2010/main" val="4126977768"/>
+      </p:ext>
+    </p:extLst>
+  </p:cSld>
+  <p:clrMapOvr>
+    <a:masterClrMapping/>
+  </p:clrMapOvr>
+  <p:timing>
+    <p:tnLst>
+      <p:par>
+        <p:cTn id="1" dur="indefinite" restart="never" nodeType="tmRoot">
+          <p:childTnLst>
+            <p:seq concurrent="1" nextAc="seek">
+              <p:cTn id="2" dur="indefinite" nodeType="mainSeq">
+                <p:childTnLst>
+                  <p:par>
+                    <p:cTn id="3" fill="hold">
+                      <p:stCondLst>
+                        <p:cond delay="indefinite"/>
+                      </p:stCondLst>
+                      <p:childTnLst>
+                        <p:par>
+                          <p:cTn id="4" fill="hold">
+                            <p:stCondLst>
+                              <p:cond delay="0"/>
+                            </p:stCondLst>
+                            <p:childTnLst>
+                              <p:par>
+                                <p:cTn id="5" presetID="1" presetClass="mediacall" presetSubtype="0" fill="hold" nodeType="clickEffect">
+                                  <p:stCondLst>
+                                    <p:cond delay="0"/>
+                                  </p:stCondLst>
+                                  <p:childTnLst>
+                                    <p:cmd type="call" cmd="playFrom(0.0)">
+                                      <p:cBhvr>
+                                        <p:cTn id="6" dur="38067" fill="hold"/>
+                                        <p:tgtEl>
+                                          <p:spTgt spid="4"/>
+                                        </p:tgtEl>
+                                      </p:cBhvr>
+                                    </p:cmd>
+                                  </p:childTnLst>
+                                </p:cTn>
+                              </p:par>
+                            </p:childTnLst>
+                          </p:cTn>
+                        </p:par>
+                      </p:childTnLst>
+                    </p:cTn>
+                  </p:par>
+                </p:childTnLst>
+              </p:cTn>
+              <p:prevCondLst>
+                <p:cond evt="onPrev" delay="0">
+                  <p:tgtEl>
+                    <p:sldTgt/>
+                  </p:tgtEl>
+                </p:cond>
+              </p:prevCondLst>
+              <p:nextCondLst>
+                <p:cond evt="onNext" delay="0">
+                  <p:tgtEl>
+                    <p:sldTgt/>
+                  </p:tgtEl>
+                </p:cond>
+              </p:nextCondLst>
+            </p:seq>
+            <p:video>
+              <p:cMediaNode vol="80000">
+                <p:cTn id="7" fill="hold" display="0">
+                  <p:stCondLst>
+                    <p:cond delay="indefinite"/>
+                  </p:stCondLst>
+                </p:cTn>
+                <p:tgtEl>
+                  <p:spTgt spid="4"/>
+                </p:tgtEl>
+              </p:cMediaNode>
+            </p:video>
+            <p:seq concurrent="1" nextAc="seek">
+              <p:cTn id="8" restart="whenNotActive" fill="hold" evtFilter="cancelBubble" nodeType="interactiveSeq">
+                <p:stCondLst>
+                  <p:cond evt="onClick" delay="0">
+                    <p:tgtEl>
+                      <p:spTgt spid="4"/>
+                    </p:tgtEl>
+                  </p:cond>
+                </p:stCondLst>
+                <p:endSync evt="end" delay="0">
+                  <p:rtn val="all"/>
+                </p:endSync>
+                <p:childTnLst>
+                  <p:par>
+                    <p:cTn id="9" fill="hold">
+                      <p:stCondLst>
+                        <p:cond delay="0"/>
+                      </p:stCondLst>
+                      <p:childTnLst>
+                        <p:par>
+                          <p:cTn id="10" fill="hold">
+                            <p:stCondLst>
+                              <p:cond delay="0"/>
+                            </p:stCondLst>
+                            <p:childTnLst>
+                              <p:par>
+                                <p:cTn id="11" presetID="2" presetClass="mediacall" presetSubtype="0" fill="hold" nodeType="clickEffect">
+                                  <p:stCondLst>
+                                    <p:cond delay="0"/>
+                                  </p:stCondLst>
+                                  <p:childTnLst>
+                                    <p:cmd type="call" cmd="togglePause">
+                                      <p:cBhvr>
+                                        <p:cTn id="12" dur="1" fill="hold"/>
+                                        <p:tgtEl>
+                                          <p:spTgt spid="4"/>
+                                        </p:tgtEl>
+                                      </p:cBhvr>
+                                    </p:cmd>
+                                  </p:childTnLst>
+                                </p:cTn>
+                              </p:par>
+                            </p:childTnLst>
+                          </p:cTn>
+                        </p:par>
+                      </p:childTnLst>
+                    </p:cTn>
+                  </p:par>
+                </p:childTnLst>
+              </p:cTn>
+              <p:nextCondLst>
+                <p:cond evt="onClick" delay="0">
+                  <p:tgtEl>
+                    <p:spTgt spid="4"/>
+                  </p:tgtEl>
+                </p:cond>
+              </p:nextCondLst>
+            </p:seq>
+          </p:childTnLst>
+        </p:cTn>
+      </p:par>
+    </p:tnLst>
+  </p:timing>
+</p:sld>
+</file>
+
+<file path=ppt/slides/slide9.xml><?xml version="1.0" encoding="utf-8"?>
 <p:sld xmlns:a="http://schemas.openxmlformats.org/drawingml/2006/main" xmlns:r="http://schemas.openxmlformats.org/officeDocument/2006/relationships" xmlns:p="http://schemas.openxmlformats.org/presentationml/2006/main">
   <p:cSld>
     <p:spTree>
@@ -8626,73 +9048,6 @@
 </p:sld>
 </file>
 
-<file path=ppt/slides/slide9.xml><?xml version="1.0" encoding="utf-8"?>
-<p:sld xmlns:a="http://schemas.openxmlformats.org/drawingml/2006/main" xmlns:r="http://schemas.openxmlformats.org/officeDocument/2006/relationships" xmlns:p="http://schemas.openxmlformats.org/presentationml/2006/main">
-  <p:cSld>
-    <p:spTree>
-      <p:nvGrpSpPr>
-        <p:cNvPr id="1" name="Shape 681"/>
-        <p:cNvGrpSpPr/>
-        <p:nvPr/>
-      </p:nvGrpSpPr>
-      <p:grpSpPr>
-        <a:xfrm>
-          <a:off x="0" y="0"/>
-          <a:ext cx="0" cy="0"/>
-          <a:chOff x="0" y="0"/>
-          <a:chExt cx="0" cy="0"/>
-        </a:xfrm>
-      </p:grpSpPr>
-      <p:sp>
-        <p:nvSpPr>
-          <p:cNvPr id="683" name="Google Shape;683;p57"/>
-          <p:cNvSpPr txBox="1">
-            <a:spLocks noGrp="1"/>
-          </p:cNvSpPr>
-          <p:nvPr>
-            <p:ph type="ctrTitle"/>
-          </p:nvPr>
-        </p:nvSpPr>
-        <p:spPr>
-          <a:xfrm>
-            <a:off x="1781969" y="1998768"/>
-            <a:ext cx="5957983" cy="1340265"/>
-          </a:xfrm>
-          <a:prstGeom prst="rect">
-            <a:avLst/>
-          </a:prstGeom>
-        </p:spPr>
-        <p:txBody>
-          <a:bodyPr spcFirstLastPara="1" wrap="square" lIns="91425" tIns="91425" rIns="91425" bIns="91425" anchor="ctr" anchorCtr="0">
-            <a:noAutofit/>
-          </a:bodyPr>
-          <a:lstStyle/>
-          <a:p>
-            <a:pPr marL="0" lvl="0" indent="0" algn="ctr" rtl="0">
-              <a:spcBef>
-                <a:spcPts val="0"/>
-              </a:spcBef>
-              <a:spcAft>
-                <a:spcPts val="0"/>
-              </a:spcAft>
-              <a:buNone/>
-            </a:pPr>
-            <a:r>
-              <a:rPr lang="sr-Latn-RS" sz="6000" dirty="0"/>
-              <a:t>Hvala na pažnji.</a:t>
-            </a:r>
-            <a:endParaRPr sz="6000" dirty="0"/>
-          </a:p>
-        </p:txBody>
-      </p:sp>
-    </p:spTree>
-  </p:cSld>
-  <p:clrMapOvr>
-    <a:masterClrMapping/>
-  </p:clrMapOvr>
-</p:sld>
-</file>
-
 <file path=ppt/theme/theme1.xml><?xml version="1.0" encoding="utf-8"?>
 <a:theme xmlns:a="http://schemas.openxmlformats.org/drawingml/2006/main" name="Tech Newsletter XL by Slidesgo">
   <a:themeElements>
